--- a/m4/docs/презентация.pptx
+++ b/m4/docs/презентация.pptx
@@ -204,7 +204,7 @@
           <a:p>
             <a:fld id="{7A6A0595-55A8-48ED-89D9-94EF8A794717}" type="datetimeFigureOut">
               <a:rPr lang="ru-RU" smtClean="0"/>
-              <a:t>04.09.2025</a:t>
+              <a:t>06.09.2025</a:t>
             </a:fld>
             <a:endParaRPr lang="ru-RU"/>
           </a:p>
@@ -1353,7 +1353,7 @@
           <a:p>
             <a:fld id="{EF790F8C-5FB9-4EFE-BCC7-F735A3026FD8}" type="datetimeFigureOut">
               <a:rPr lang="ru-RU" smtClean="0"/>
-              <a:t>04.09.2025</a:t>
+              <a:t>06.09.2025</a:t>
             </a:fld>
             <a:endParaRPr lang="ru-RU"/>
           </a:p>
@@ -1573,7 +1573,7 @@
           <a:p>
             <a:fld id="{EF790F8C-5FB9-4EFE-BCC7-F735A3026FD8}" type="datetimeFigureOut">
               <a:rPr lang="ru-RU" smtClean="0"/>
-              <a:t>04.09.2025</a:t>
+              <a:t>06.09.2025</a:t>
             </a:fld>
             <a:endParaRPr lang="ru-RU"/>
           </a:p>
@@ -1771,7 +1771,7 @@
           <a:p>
             <a:fld id="{EF790F8C-5FB9-4EFE-BCC7-F735A3026FD8}" type="datetimeFigureOut">
               <a:rPr lang="ru-RU" smtClean="0"/>
-              <a:t>04.09.2025</a:t>
+              <a:t>06.09.2025</a:t>
             </a:fld>
             <a:endParaRPr lang="ru-RU"/>
           </a:p>
@@ -2046,7 +2046,7 @@
           <a:p>
             <a:fld id="{EF790F8C-5FB9-4EFE-BCC7-F735A3026FD8}" type="datetimeFigureOut">
               <a:rPr lang="ru-RU" smtClean="0"/>
-              <a:t>04.09.2025</a:t>
+              <a:t>06.09.2025</a:t>
             </a:fld>
             <a:endParaRPr lang="ru-RU"/>
           </a:p>
@@ -2311,7 +2311,7 @@
           <a:p>
             <a:fld id="{EF790F8C-5FB9-4EFE-BCC7-F735A3026FD8}" type="datetimeFigureOut">
               <a:rPr lang="ru-RU" smtClean="0"/>
-              <a:t>04.09.2025</a:t>
+              <a:t>06.09.2025</a:t>
             </a:fld>
             <a:endParaRPr lang="ru-RU"/>
           </a:p>
@@ -2723,7 +2723,7 @@
           <a:p>
             <a:fld id="{EF790F8C-5FB9-4EFE-BCC7-F735A3026FD8}" type="datetimeFigureOut">
               <a:rPr lang="ru-RU" smtClean="0"/>
-              <a:t>04.09.2025</a:t>
+              <a:t>06.09.2025</a:t>
             </a:fld>
             <a:endParaRPr lang="ru-RU"/>
           </a:p>
@@ -2955,7 +2955,7 @@
           <a:p>
             <a:fld id="{EF790F8C-5FB9-4EFE-BCC7-F735A3026FD8}" type="datetimeFigureOut">
               <a:rPr lang="ru-RU" smtClean="0"/>
-              <a:t>04.09.2025</a:t>
+              <a:t>06.09.2025</a:t>
             </a:fld>
             <a:endParaRPr lang="ru-RU"/>
           </a:p>
@@ -3068,7 +3068,7 @@
           <a:p>
             <a:fld id="{EF790F8C-5FB9-4EFE-BCC7-F735A3026FD8}" type="datetimeFigureOut">
               <a:rPr lang="ru-RU" smtClean="0"/>
-              <a:t>04.09.2025</a:t>
+              <a:t>06.09.2025</a:t>
             </a:fld>
             <a:endParaRPr lang="ru-RU"/>
           </a:p>
@@ -3379,7 +3379,7 @@
           <a:p>
             <a:fld id="{EF790F8C-5FB9-4EFE-BCC7-F735A3026FD8}" type="datetimeFigureOut">
               <a:rPr lang="ru-RU" smtClean="0"/>
-              <a:t>04.09.2025</a:t>
+              <a:t>06.09.2025</a:t>
             </a:fld>
             <a:endParaRPr lang="ru-RU"/>
           </a:p>
@@ -3667,7 +3667,7 @@
           <a:p>
             <a:fld id="{EF790F8C-5FB9-4EFE-BCC7-F735A3026FD8}" type="datetimeFigureOut">
               <a:rPr lang="ru-RU" smtClean="0"/>
-              <a:t>04.09.2025</a:t>
+              <a:t>06.09.2025</a:t>
             </a:fld>
             <a:endParaRPr lang="ru-RU"/>
           </a:p>
@@ -3865,7 +3865,7 @@
           <a:p>
             <a:fld id="{EF790F8C-5FB9-4EFE-BCC7-F735A3026FD8}" type="datetimeFigureOut">
               <a:rPr lang="ru-RU" smtClean="0"/>
-              <a:t>04.09.2025</a:t>
+              <a:t>06.09.2025</a:t>
             </a:fld>
             <a:endParaRPr lang="ru-RU"/>
           </a:p>
@@ -4073,7 +4073,7 @@
           <a:p>
             <a:fld id="{EF790F8C-5FB9-4EFE-BCC7-F735A3026FD8}" type="datetimeFigureOut">
               <a:rPr lang="ru-RU" smtClean="0"/>
-              <a:t>04.09.2025</a:t>
+              <a:t>06.09.2025</a:t>
             </a:fld>
             <a:endParaRPr lang="ru-RU"/>
           </a:p>
@@ -5884,7 +5884,7 @@
           <a:p>
             <a:fld id="{EF790F8C-5FB9-4EFE-BCC7-F735A3026FD8}" type="datetimeFigureOut">
               <a:rPr lang="ru-RU" smtClean="0"/>
-              <a:t>04.09.2025</a:t>
+              <a:t>06.09.2025</a:t>
             </a:fld>
             <a:endParaRPr lang="ru-RU"/>
           </a:p>
@@ -6319,7 +6319,7 @@
         </p:nvSpPr>
         <p:spPr>
           <a:xfrm>
-            <a:off x="495300" y="2179545"/>
+            <a:off x="717369" y="1577790"/>
             <a:ext cx="7886520" cy="993960"/>
           </a:xfrm>
         </p:spPr>
@@ -6328,28 +6328,28 @@
           <a:lstStyle/>
           <a:p>
             <a:pPr algn="ctr"/>
+            <a:r>
+              <a:rPr lang="ru-RU" sz="4000" b="1" dirty="0">
+                <a:latin typeface="Segoe UI Light" panose="020B0502040204020203" pitchFamily="34" charset="0"/>
+                <a:cs typeface="Segoe UI Light" panose="020B0502040204020203" pitchFamily="34" charset="0"/>
+              </a:rPr>
+              <a:t>Анализ </a:t>
+            </a:r>
             <a:r>
               <a:rPr lang="ru-RU" b="1" dirty="0">
                 <a:latin typeface="Segoe UI Light" panose="020B0502040204020203" pitchFamily="34" charset="0"/>
                 <a:cs typeface="Segoe UI Light" panose="020B0502040204020203" pitchFamily="34" charset="0"/>
               </a:rPr>
-              <a:t>Анализ </a:t>
-            </a:r>
-            <a:r>
-              <a:rPr lang="ru-RU" sz="4800" b="1" dirty="0">
-                <a:latin typeface="Segoe UI Light" panose="020B0502040204020203" pitchFamily="34" charset="0"/>
-                <a:cs typeface="Segoe UI Light" panose="020B0502040204020203" pitchFamily="34" charset="0"/>
-              </a:rPr>
               <a:t>данных</a:t>
             </a:r>
             <a:r>
-              <a:rPr lang="ru-RU" b="1" dirty="0">
+              <a:rPr lang="ru-RU" sz="4000" b="1" dirty="0">
                 <a:latin typeface="Segoe UI Light" panose="020B0502040204020203" pitchFamily="34" charset="0"/>
                 <a:cs typeface="Segoe UI Light" panose="020B0502040204020203" pitchFamily="34" charset="0"/>
               </a:rPr>
               <a:t> на языке SQL</a:t>
             </a:r>
-            <a:endParaRPr lang="en-US" b="1" dirty="0">
+            <a:endParaRPr lang="en-US" sz="4000" b="1" dirty="0">
               <a:effectLst>
                 <a:outerShdw blurRad="38100" dist="38100" dir="2700000" algn="tl">
                   <a:srgbClr val="000000">
@@ -6457,6 +6457,67 @@
           </a:extLst>
         </p:spPr>
       </p:pic>
+      <p:sp>
+        <p:nvSpPr>
+          <p:cNvPr id="5" name="Subtitle 2">
+            <a:extLst>
+              <a:ext uri="{FF2B5EF4-FFF2-40B4-BE49-F238E27FC236}">
+                <a16:creationId xmlns:a16="http://schemas.microsoft.com/office/drawing/2014/main" id="{A776023D-2975-4C99-A8AF-5AE0163C26BB}"/>
+              </a:ext>
+            </a:extLst>
+          </p:cNvPr>
+          <p:cNvSpPr>
+            <a:spLocks noGrp="1"/>
+          </p:cNvSpPr>
+          <p:nvPr>
+            <p:ph type="subTitle"/>
+          </p:nvPr>
+        </p:nvSpPr>
+        <p:spPr>
+          <a:xfrm>
+            <a:off x="808989" y="2381360"/>
+            <a:ext cx="7886520" cy="993960"/>
+          </a:xfrm>
+        </p:spPr>
+        <p:txBody>
+          <a:bodyPr/>
+          <a:lstStyle/>
+          <a:p>
+            <a:pPr algn="ctr"/>
+            <a:r>
+              <a:rPr lang="ru-RU" sz="3200" b="1" dirty="0">
+                <a:solidFill>
+                  <a:srgbClr val="0000FF"/>
+                </a:solidFill>
+                <a:effectLst>
+                  <a:outerShdw blurRad="38100" dist="38100" dir="2700000" algn="tl">
+                    <a:srgbClr val="000000">
+                      <a:alpha val="43137"/>
+                    </a:srgbClr>
+                  </a:outerShdw>
+                </a:effectLst>
+                <a:latin typeface="Segoe UI Light" panose="020B0502040204020203" pitchFamily="34" charset="0"/>
+                <a:cs typeface="Segoe UI Light" panose="020B0502040204020203" pitchFamily="34" charset="0"/>
+              </a:rPr>
+              <a:t>Агрегатные и оконные функции</a:t>
+            </a:r>
+            <a:endParaRPr lang="en-US" sz="3200" b="1" dirty="0">
+              <a:solidFill>
+                <a:srgbClr val="0000FF"/>
+              </a:solidFill>
+              <a:effectLst>
+                <a:outerShdw blurRad="38100" dist="38100" dir="2700000" algn="tl">
+                  <a:srgbClr val="000000">
+                    <a:alpha val="43137"/>
+                  </a:srgbClr>
+                </a:outerShdw>
+              </a:effectLst>
+              <a:latin typeface="News706 BT" panose="02040804060705020204" pitchFamily="18" charset="0"/>
+              <a:cs typeface="Segoe UI Light" panose="020B0502040204020203" pitchFamily="34" charset="0"/>
+            </a:endParaRPr>
+          </a:p>
+        </p:txBody>
+      </p:sp>
     </p:spTree>
     <p:extLst>
       <p:ext uri="{BB962C8B-B14F-4D97-AF65-F5344CB8AC3E}">
@@ -6489,10 +6550,10 @@
       </p:grpSpPr>
       <p:pic>
         <p:nvPicPr>
-          <p:cNvPr id="1026" name="Picture 2" descr="What Is CRUD? Definition, Meaning, and Operations">
+          <p:cNvPr id="2" name="Picture 2" descr="Категории оконных функций">
             <a:extLst>
               <a:ext uri="{FF2B5EF4-FFF2-40B4-BE49-F238E27FC236}">
-                <a16:creationId xmlns:a16="http://schemas.microsoft.com/office/drawing/2014/main" id="{5C853CD3-C344-4CDA-B6E9-5568CE525027}"/>
+                <a16:creationId xmlns:a16="http://schemas.microsoft.com/office/drawing/2014/main" id="{0F405BC4-0E84-45B9-B9A8-749A21B63B32}"/>
               </a:ext>
             </a:extLst>
           </p:cNvPr>
@@ -6501,7 +6562,7 @@
           </p:cNvPicPr>
           <p:nvPr/>
         </p:nvPicPr>
-        <p:blipFill rotWithShape="1">
+        <p:blipFill>
           <a:blip r:embed="rId2">
             <a:extLst>
               <a:ext uri="{28A0092B-C50C-407E-A947-70E740481C1C}">
@@ -6509,13 +6570,15 @@
               </a:ext>
             </a:extLst>
           </a:blip>
-          <a:srcRect t="9036" b="15964"/>
-          <a:stretch/>
+          <a:srcRect/>
+          <a:stretch>
+            <a:fillRect/>
+          </a:stretch>
         </p:blipFill>
         <p:spPr bwMode="auto">
           <a:xfrm>
-            <a:off x="420914" y="561701"/>
-            <a:ext cx="8302171" cy="3735978"/>
+            <a:off x="0" y="539750"/>
+            <a:ext cx="9144000" cy="4062413"/>
           </a:xfrm>
           <a:prstGeom prst="rect">
             <a:avLst/>
@@ -6564,10 +6627,10 @@
       </p:grpSpPr>
       <p:pic>
         <p:nvPicPr>
-          <p:cNvPr id="2050" name="Picture 2" descr="DbSchema | How to Implement JOINS in PostgreSQL?">
+          <p:cNvPr id="2" name="Picture 2" descr="SQL Window Functions: Rapid Data Insight Extraction | by Nagaraj | Level Up  Coding">
             <a:extLst>
               <a:ext uri="{FF2B5EF4-FFF2-40B4-BE49-F238E27FC236}">
-                <a16:creationId xmlns:a16="http://schemas.microsoft.com/office/drawing/2014/main" id="{40B22F58-41E7-4100-94A3-CA169B2F4590}"/>
+                <a16:creationId xmlns:a16="http://schemas.microsoft.com/office/drawing/2014/main" id="{2BD3FD75-E1CE-4D3D-BEAD-1CA6E1EB948B}"/>
               </a:ext>
             </a:extLst>
           </p:cNvPr>
@@ -6591,8 +6654,8 @@
         </p:blipFill>
         <p:spPr bwMode="auto">
           <a:xfrm>
-            <a:off x="1760356" y="328203"/>
-            <a:ext cx="5623288" cy="4100961"/>
+            <a:off x="1364660" y="607421"/>
+            <a:ext cx="6219555" cy="3827418"/>
           </a:xfrm>
           <a:prstGeom prst="rect">
             <a:avLst/>
@@ -6641,10 +6704,10 @@
       </p:grpSpPr>
       <p:pic>
         <p:nvPicPr>
-          <p:cNvPr id="3074" name="Picture 2" descr="PostgreSQL Joins: A Visual Explanation of PostgreSQL Joins">
+          <p:cNvPr id="2" name="Picture 2" descr="Grouping Sets, Rollup and Cube in SQL - by Avi Chawla">
             <a:extLst>
               <a:ext uri="{FF2B5EF4-FFF2-40B4-BE49-F238E27FC236}">
-                <a16:creationId xmlns:a16="http://schemas.microsoft.com/office/drawing/2014/main" id="{B2A2C6E0-7A0C-42ED-99FE-3BC394AE477B}"/>
+                <a16:creationId xmlns:a16="http://schemas.microsoft.com/office/drawing/2014/main" id="{22AADA33-7430-4A5E-9E2B-040BE574B9FF}"/>
               </a:ext>
             </a:extLst>
           </p:cNvPr>
@@ -6668,8 +6731,8 @@
         </p:blipFill>
         <p:spPr bwMode="auto">
           <a:xfrm>
-            <a:off x="419100" y="57150"/>
-            <a:ext cx="8305800" cy="5029200"/>
+            <a:off x="2417763" y="0"/>
+            <a:ext cx="4308475" cy="5143500"/>
           </a:xfrm>
           <a:prstGeom prst="rect">
             <a:avLst/>
@@ -6718,32 +6781,92 @@
       </p:grpSpPr>
       <p:pic>
         <p:nvPicPr>
-          <p:cNvPr id="3" name="Рисунок 2">
+          <p:cNvPr id="4098" name="Picture 2" descr="PostgreSQL Recursive Query | Online Course | Vertabelo Academy">
             <a:extLst>
               <a:ext uri="{FF2B5EF4-FFF2-40B4-BE49-F238E27FC236}">
-                <a16:creationId xmlns:a16="http://schemas.microsoft.com/office/drawing/2014/main" id="{6CFF77C5-8CE7-4322-BA57-1F6A9000D1C8}"/>
+                <a16:creationId xmlns:a16="http://schemas.microsoft.com/office/drawing/2014/main" id="{EB2D715C-C07B-4221-A691-ABE8D1D8725A}"/>
               </a:ext>
             </a:extLst>
           </p:cNvPr>
           <p:cNvPicPr>
-            <a:picLocks noChangeAspect="1"/>
+            <a:picLocks noChangeAspect="1" noChangeArrowheads="1"/>
           </p:cNvPicPr>
           <p:nvPr/>
         </p:nvPicPr>
-        <p:blipFill>
-          <a:blip r:embed="rId2"/>
-          <a:stretch>
-            <a:fillRect/>
-          </a:stretch>
+        <p:blipFill rotWithShape="1">
+          <a:blip r:embed="rId2">
+            <a:extLst>
+              <a:ext uri="{28A0092B-C50C-407E-A947-70E740481C1C}">
+                <a14:useLocalDpi xmlns:a14="http://schemas.microsoft.com/office/drawing/2010/main" val="0"/>
+              </a:ext>
+            </a:extLst>
+          </a:blip>
+          <a:srcRect l="3750" t="6029" r="3358" b="2974"/>
+          <a:stretch/>
         </p:blipFill>
-        <p:spPr>
-          <a:xfrm>
-            <a:off x="365759" y="141295"/>
-            <a:ext cx="8529522" cy="4860910"/>
+        <p:spPr bwMode="auto">
+          <a:xfrm>
+            <a:off x="65313" y="78377"/>
+            <a:ext cx="4852852" cy="3252652"/>
           </a:xfrm>
           <a:prstGeom prst="rect">
             <a:avLst/>
           </a:prstGeom>
+          <a:noFill/>
+          <a:extLst>
+            <a:ext uri="{909E8E84-426E-40DD-AFC4-6F175D3DCCD1}">
+              <a14:hiddenFill xmlns:a14="http://schemas.microsoft.com/office/drawing/2010/main">
+                <a:solidFill>
+                  <a:srgbClr val="FFFFFF"/>
+                </a:solidFill>
+              </a14:hiddenFill>
+            </a:ext>
+          </a:extLst>
+        </p:spPr>
+      </p:pic>
+      <p:pic>
+        <p:nvPicPr>
+          <p:cNvPr id="4100" name="Picture 4" descr="Understanding Recursive Queries in Postgres">
+            <a:extLst>
+              <a:ext uri="{FF2B5EF4-FFF2-40B4-BE49-F238E27FC236}">
+                <a16:creationId xmlns:a16="http://schemas.microsoft.com/office/drawing/2014/main" id="{6EEA10FD-4D8B-4E93-87B6-2E1A3F98529D}"/>
+              </a:ext>
+            </a:extLst>
+          </p:cNvPr>
+          <p:cNvPicPr>
+            <a:picLocks noChangeAspect="1" noChangeArrowheads="1"/>
+          </p:cNvPicPr>
+          <p:nvPr/>
+        </p:nvPicPr>
+        <p:blipFill rotWithShape="1">
+          <a:blip r:embed="rId3">
+            <a:extLst>
+              <a:ext uri="{28A0092B-C50C-407E-A947-70E740481C1C}">
+                <a14:useLocalDpi xmlns:a14="http://schemas.microsoft.com/office/drawing/2010/main" val="0"/>
+              </a:ext>
+            </a:extLst>
+          </a:blip>
+          <a:srcRect l="6138" t="20419" r="3858" b="13665"/>
+          <a:stretch/>
+        </p:blipFill>
+        <p:spPr bwMode="auto">
+          <a:xfrm>
+            <a:off x="4787537" y="3428999"/>
+            <a:ext cx="4191830" cy="1574075"/>
+          </a:xfrm>
+          <a:prstGeom prst="rect">
+            <a:avLst/>
+          </a:prstGeom>
+          <a:noFill/>
+          <a:extLst>
+            <a:ext uri="{909E8E84-426E-40DD-AFC4-6F175D3DCCD1}">
+              <a14:hiddenFill xmlns:a14="http://schemas.microsoft.com/office/drawing/2010/main">
+                <a:solidFill>
+                  <a:srgbClr val="FFFFFF"/>
+                </a:solidFill>
+              </a14:hiddenFill>
+            </a:ext>
+          </a:extLst>
         </p:spPr>
       </p:pic>
     </p:spTree>
@@ -6776,53 +6899,6 @@
           <a:chExt cx="0" cy="0"/>
         </a:xfrm>
       </p:grpSpPr>
-      <p:pic>
-        <p:nvPicPr>
-          <p:cNvPr id="5122" name="Picture 2" descr="A Guide to PostgreSQL Views | TigerData">
-            <a:extLst>
-              <a:ext uri="{FF2B5EF4-FFF2-40B4-BE49-F238E27FC236}">
-                <a16:creationId xmlns:a16="http://schemas.microsoft.com/office/drawing/2014/main" id="{5DF68AF2-0F31-4AFE-B191-269469066523}"/>
-              </a:ext>
-            </a:extLst>
-          </p:cNvPr>
-          <p:cNvPicPr>
-            <a:picLocks noChangeAspect="1" noChangeArrowheads="1"/>
-          </p:cNvPicPr>
-          <p:nvPr/>
-        </p:nvPicPr>
-        <p:blipFill>
-          <a:blip r:embed="rId2">
-            <a:extLst>
-              <a:ext uri="{28A0092B-C50C-407E-A947-70E740481C1C}">
-                <a14:useLocalDpi xmlns:a14="http://schemas.microsoft.com/office/drawing/2010/main" val="0"/>
-              </a:ext>
-            </a:extLst>
-          </a:blip>
-          <a:srcRect/>
-          <a:stretch>
-            <a:fillRect/>
-          </a:stretch>
-        </p:blipFill>
-        <p:spPr bwMode="auto">
-          <a:xfrm>
-            <a:off x="990600" y="0"/>
-            <a:ext cx="7161213" cy="5143500"/>
-          </a:xfrm>
-          <a:prstGeom prst="rect">
-            <a:avLst/>
-          </a:prstGeom>
-          <a:noFill/>
-          <a:extLst>
-            <a:ext uri="{909E8E84-426E-40DD-AFC4-6F175D3DCCD1}">
-              <a14:hiddenFill xmlns:a14="http://schemas.microsoft.com/office/drawing/2010/main">
-                <a:solidFill>
-                  <a:srgbClr val="FFFFFF"/>
-                </a:solidFill>
-              </a14:hiddenFill>
-            </a:ext>
-          </a:extLst>
-        </p:spPr>
-      </p:pic>
     </p:spTree>
     <p:extLst>
       <p:ext uri="{BB962C8B-B14F-4D97-AF65-F5344CB8AC3E}">

--- a/m4/docs/презентация.pptx
+++ b/m4/docs/презентация.pptx
@@ -6,16 +6,13 @@
     <p:sldMasterId id="2147483677" r:id="rId2"/>
   </p:sldMasterIdLst>
   <p:notesMasterIdLst>
-    <p:notesMasterId r:id="rId10"/>
+    <p:notesMasterId r:id="rId7"/>
   </p:notesMasterIdLst>
   <p:sldIdLst>
     <p:sldId id="263" r:id="rId3"/>
     <p:sldId id="542" r:id="rId4"/>
-    <p:sldId id="543" r:id="rId5"/>
-    <p:sldId id="544" r:id="rId6"/>
-    <p:sldId id="283" r:id="rId7"/>
-    <p:sldId id="545" r:id="rId8"/>
-    <p:sldId id="546" r:id="rId9"/>
+    <p:sldId id="544" r:id="rId5"/>
+    <p:sldId id="283" r:id="rId6"/>
   </p:sldIdLst>
   <p:sldSz cx="9144000" cy="5143500" type="screen16x9"/>
   <p:notesSz cx="7559675" cy="10691813"/>
@@ -204,7 +201,7 @@
           <a:p>
             <a:fld id="{7A6A0595-55A8-48ED-89D9-94EF8A794717}" type="datetimeFigureOut">
               <a:rPr lang="ru-RU" smtClean="0"/>
-              <a:t>06.09.2025</a:t>
+              <a:t>08.09.2025</a:t>
             </a:fld>
             <a:endParaRPr lang="ru-RU"/>
           </a:p>
@@ -1353,7 +1350,7 @@
           <a:p>
             <a:fld id="{EF790F8C-5FB9-4EFE-BCC7-F735A3026FD8}" type="datetimeFigureOut">
               <a:rPr lang="ru-RU" smtClean="0"/>
-              <a:t>06.09.2025</a:t>
+              <a:t>08.09.2025</a:t>
             </a:fld>
             <a:endParaRPr lang="ru-RU"/>
           </a:p>
@@ -1573,7 +1570,7 @@
           <a:p>
             <a:fld id="{EF790F8C-5FB9-4EFE-BCC7-F735A3026FD8}" type="datetimeFigureOut">
               <a:rPr lang="ru-RU" smtClean="0"/>
-              <a:t>06.09.2025</a:t>
+              <a:t>08.09.2025</a:t>
             </a:fld>
             <a:endParaRPr lang="ru-RU"/>
           </a:p>
@@ -1771,7 +1768,7 @@
           <a:p>
             <a:fld id="{EF790F8C-5FB9-4EFE-BCC7-F735A3026FD8}" type="datetimeFigureOut">
               <a:rPr lang="ru-RU" smtClean="0"/>
-              <a:t>06.09.2025</a:t>
+              <a:t>08.09.2025</a:t>
             </a:fld>
             <a:endParaRPr lang="ru-RU"/>
           </a:p>
@@ -2046,7 +2043,7 @@
           <a:p>
             <a:fld id="{EF790F8C-5FB9-4EFE-BCC7-F735A3026FD8}" type="datetimeFigureOut">
               <a:rPr lang="ru-RU" smtClean="0"/>
-              <a:t>06.09.2025</a:t>
+              <a:t>08.09.2025</a:t>
             </a:fld>
             <a:endParaRPr lang="ru-RU"/>
           </a:p>
@@ -2311,7 +2308,7 @@
           <a:p>
             <a:fld id="{EF790F8C-5FB9-4EFE-BCC7-F735A3026FD8}" type="datetimeFigureOut">
               <a:rPr lang="ru-RU" smtClean="0"/>
-              <a:t>06.09.2025</a:t>
+              <a:t>08.09.2025</a:t>
             </a:fld>
             <a:endParaRPr lang="ru-RU"/>
           </a:p>
@@ -2723,7 +2720,7 @@
           <a:p>
             <a:fld id="{EF790F8C-5FB9-4EFE-BCC7-F735A3026FD8}" type="datetimeFigureOut">
               <a:rPr lang="ru-RU" smtClean="0"/>
-              <a:t>06.09.2025</a:t>
+              <a:t>08.09.2025</a:t>
             </a:fld>
             <a:endParaRPr lang="ru-RU"/>
           </a:p>
@@ -2955,7 +2952,7 @@
           <a:p>
             <a:fld id="{EF790F8C-5FB9-4EFE-BCC7-F735A3026FD8}" type="datetimeFigureOut">
               <a:rPr lang="ru-RU" smtClean="0"/>
-              <a:t>06.09.2025</a:t>
+              <a:t>08.09.2025</a:t>
             </a:fld>
             <a:endParaRPr lang="ru-RU"/>
           </a:p>
@@ -3068,7 +3065,7 @@
           <a:p>
             <a:fld id="{EF790F8C-5FB9-4EFE-BCC7-F735A3026FD8}" type="datetimeFigureOut">
               <a:rPr lang="ru-RU" smtClean="0"/>
-              <a:t>06.09.2025</a:t>
+              <a:t>08.09.2025</a:t>
             </a:fld>
             <a:endParaRPr lang="ru-RU"/>
           </a:p>
@@ -3379,7 +3376,7 @@
           <a:p>
             <a:fld id="{EF790F8C-5FB9-4EFE-BCC7-F735A3026FD8}" type="datetimeFigureOut">
               <a:rPr lang="ru-RU" smtClean="0"/>
-              <a:t>06.09.2025</a:t>
+              <a:t>08.09.2025</a:t>
             </a:fld>
             <a:endParaRPr lang="ru-RU"/>
           </a:p>
@@ -3667,7 +3664,7 @@
           <a:p>
             <a:fld id="{EF790F8C-5FB9-4EFE-BCC7-F735A3026FD8}" type="datetimeFigureOut">
               <a:rPr lang="ru-RU" smtClean="0"/>
-              <a:t>06.09.2025</a:t>
+              <a:t>08.09.2025</a:t>
             </a:fld>
             <a:endParaRPr lang="ru-RU"/>
           </a:p>
@@ -3865,7 +3862,7 @@
           <a:p>
             <a:fld id="{EF790F8C-5FB9-4EFE-BCC7-F735A3026FD8}" type="datetimeFigureOut">
               <a:rPr lang="ru-RU" smtClean="0"/>
-              <a:t>06.09.2025</a:t>
+              <a:t>08.09.2025</a:t>
             </a:fld>
             <a:endParaRPr lang="ru-RU"/>
           </a:p>
@@ -4073,7 +4070,7 @@
           <a:p>
             <a:fld id="{EF790F8C-5FB9-4EFE-BCC7-F735A3026FD8}" type="datetimeFigureOut">
               <a:rPr lang="ru-RU" smtClean="0"/>
-              <a:t>06.09.2025</a:t>
+              <a:t>08.09.2025</a:t>
             </a:fld>
             <a:endParaRPr lang="ru-RU"/>
           </a:p>
@@ -5884,7 +5881,7 @@
           <a:p>
             <a:fld id="{EF790F8C-5FB9-4EFE-BCC7-F735A3026FD8}" type="datetimeFigureOut">
               <a:rPr lang="ru-RU" smtClean="0"/>
-              <a:t>06.09.2025</a:t>
+              <a:t>08.09.2025</a:t>
             </a:fld>
             <a:endParaRPr lang="ru-RU"/>
           </a:p>
@@ -6499,7 +6496,44 @@
                 <a:latin typeface="Segoe UI Light" panose="020B0502040204020203" pitchFamily="34" charset="0"/>
                 <a:cs typeface="Segoe UI Light" panose="020B0502040204020203" pitchFamily="34" charset="0"/>
               </a:rPr>
-              <a:t>Агрегатные и оконные функции</a:t>
+              <a:t>Оконные функции. </a:t>
+            </a:r>
+          </a:p>
+          <a:p>
+            <a:pPr algn="ctr"/>
+            <a:r>
+              <a:rPr lang="en-US" sz="3200" b="1" dirty="0">
+                <a:solidFill>
+                  <a:srgbClr val="0000FF"/>
+                </a:solidFill>
+                <a:effectLst>
+                  <a:outerShdw blurRad="38100" dist="38100" dir="2700000" algn="tl">
+                    <a:srgbClr val="000000">
+                      <a:alpha val="43137"/>
+                    </a:srgbClr>
+                  </a:outerShdw>
+                </a:effectLst>
+                <a:latin typeface="Segoe UI Light" panose="020B0502040204020203" pitchFamily="34" charset="0"/>
+                <a:cs typeface="Segoe UI Light" panose="020B0502040204020203" pitchFamily="34" charset="0"/>
+              </a:rPr>
+              <a:t>SQL-</a:t>
+            </a:r>
+            <a:r>
+              <a:rPr lang="ru-RU" sz="3200" b="1" dirty="0">
+                <a:solidFill>
+                  <a:srgbClr val="0000FF"/>
+                </a:solidFill>
+                <a:effectLst>
+                  <a:outerShdw blurRad="38100" dist="38100" dir="2700000" algn="tl">
+                    <a:srgbClr val="000000">
+                      <a:alpha val="43137"/>
+                    </a:srgbClr>
+                  </a:outerShdw>
+                </a:effectLst>
+                <a:latin typeface="Segoe UI Light" panose="020B0502040204020203" pitchFamily="34" charset="0"/>
+                <a:cs typeface="Segoe UI Light" panose="020B0502040204020203" pitchFamily="34" charset="0"/>
+              </a:rPr>
+              <a:t>функции и процедуры</a:t>
             </a:r>
             <a:endParaRPr lang="en-US" sz="3200" b="1" dirty="0">
               <a:solidFill>
@@ -6627,10 +6661,10 @@
       </p:grpSpPr>
       <p:pic>
         <p:nvPicPr>
-          <p:cNvPr id="2" name="Picture 2" descr="SQL Window Functions: Rapid Data Insight Extraction | by Nagaraj | Level Up  Coding">
+          <p:cNvPr id="2" name="Picture 2" descr="Grouping Sets, Rollup and Cube in SQL - by Avi Chawla">
             <a:extLst>
               <a:ext uri="{FF2B5EF4-FFF2-40B4-BE49-F238E27FC236}">
-                <a16:creationId xmlns:a16="http://schemas.microsoft.com/office/drawing/2014/main" id="{2BD3FD75-E1CE-4D3D-BEAD-1CA6E1EB948B}"/>
+                <a16:creationId xmlns:a16="http://schemas.microsoft.com/office/drawing/2014/main" id="{22AADA33-7430-4A5E-9E2B-040BE574B9FF}"/>
               </a:ext>
             </a:extLst>
           </p:cNvPr>
@@ -6654,8 +6688,8 @@
         </p:blipFill>
         <p:spPr bwMode="auto">
           <a:xfrm>
-            <a:off x="1364660" y="607421"/>
-            <a:ext cx="6219555" cy="3827418"/>
+            <a:off x="2417763" y="0"/>
+            <a:ext cx="4308475" cy="5143500"/>
           </a:xfrm>
           <a:prstGeom prst="rect">
             <a:avLst/>
@@ -6675,7 +6709,7 @@
     </p:spTree>
     <p:extLst>
       <p:ext uri="{BB962C8B-B14F-4D97-AF65-F5344CB8AC3E}">
-        <p14:creationId xmlns:p14="http://schemas.microsoft.com/office/powerpoint/2010/main" val="2287167923"/>
+        <p14:creationId xmlns:p14="http://schemas.microsoft.com/office/powerpoint/2010/main" val="3046049195"/>
       </p:ext>
     </p:extLst>
   </p:cSld>
@@ -6704,10 +6738,10 @@
       </p:grpSpPr>
       <p:pic>
         <p:nvPicPr>
-          <p:cNvPr id="2" name="Picture 2" descr="Grouping Sets, Rollup and Cube in SQL - by Avi Chawla">
+          <p:cNvPr id="4098" name="Picture 2" descr="PostgreSQL Recursive Query | Online Course | Vertabelo Academy">
             <a:extLst>
               <a:ext uri="{FF2B5EF4-FFF2-40B4-BE49-F238E27FC236}">
-                <a16:creationId xmlns:a16="http://schemas.microsoft.com/office/drawing/2014/main" id="{22AADA33-7430-4A5E-9E2B-040BE574B9FF}"/>
+                <a16:creationId xmlns:a16="http://schemas.microsoft.com/office/drawing/2014/main" id="{EB2D715C-C07B-4221-A691-ABE8D1D8725A}"/>
               </a:ext>
             </a:extLst>
           </p:cNvPr>
@@ -6716,7 +6750,7 @@
           </p:cNvPicPr>
           <p:nvPr/>
         </p:nvPicPr>
-        <p:blipFill>
+        <p:blipFill rotWithShape="1">
           <a:blip r:embed="rId2">
             <a:extLst>
               <a:ext uri="{28A0092B-C50C-407E-A947-70E740481C1C}">
@@ -6724,15 +6758,13 @@
               </a:ext>
             </a:extLst>
           </a:blip>
-          <a:srcRect/>
-          <a:stretch>
-            <a:fillRect/>
-          </a:stretch>
+          <a:srcRect l="3750" t="6029" r="3358" b="2974"/>
+          <a:stretch/>
         </p:blipFill>
         <p:spPr bwMode="auto">
           <a:xfrm>
-            <a:off x="2417763" y="0"/>
-            <a:ext cx="4308475" cy="5143500"/>
+            <a:off x="65313" y="78377"/>
+            <a:ext cx="4852852" cy="3252652"/>
           </a:xfrm>
           <a:prstGeom prst="rect">
             <a:avLst/>
@@ -6749,42 +6781,12 @@
           </a:extLst>
         </p:spPr>
       </p:pic>
-    </p:spTree>
-    <p:extLst>
-      <p:ext uri="{BB962C8B-B14F-4D97-AF65-F5344CB8AC3E}">
-        <p14:creationId xmlns:p14="http://schemas.microsoft.com/office/powerpoint/2010/main" val="3046049195"/>
-      </p:ext>
-    </p:extLst>
-  </p:cSld>
-  <p:clrMapOvr>
-    <a:masterClrMapping/>
-  </p:clrMapOvr>
-</p:sld>
-</file>
-
-<file path=ppt/slides/slide5.xml><?xml version="1.0" encoding="utf-8"?>
-<p:sld xmlns:a="http://schemas.openxmlformats.org/drawingml/2006/main" xmlns:r="http://schemas.openxmlformats.org/officeDocument/2006/relationships" xmlns:p="http://schemas.openxmlformats.org/presentationml/2006/main" showMasterSp="0">
-  <p:cSld>
-    <p:spTree>
-      <p:nvGrpSpPr>
-        <p:cNvPr id="1" name=""/>
-        <p:cNvGrpSpPr/>
-        <p:nvPr/>
-      </p:nvGrpSpPr>
-      <p:grpSpPr>
-        <a:xfrm>
-          <a:off x="0" y="0"/>
-          <a:ext cx="0" cy="0"/>
-          <a:chOff x="0" y="0"/>
-          <a:chExt cx="0" cy="0"/>
-        </a:xfrm>
-      </p:grpSpPr>
       <p:pic>
         <p:nvPicPr>
-          <p:cNvPr id="4098" name="Picture 2" descr="PostgreSQL Recursive Query | Online Course | Vertabelo Academy">
+          <p:cNvPr id="4100" name="Picture 4" descr="Understanding Recursive Queries in Postgres">
             <a:extLst>
               <a:ext uri="{FF2B5EF4-FFF2-40B4-BE49-F238E27FC236}">
-                <a16:creationId xmlns:a16="http://schemas.microsoft.com/office/drawing/2014/main" id="{EB2D715C-C07B-4221-A691-ABE8D1D8725A}"/>
+                <a16:creationId xmlns:a16="http://schemas.microsoft.com/office/drawing/2014/main" id="{6EEA10FD-4D8B-4E93-87B6-2E1A3F98529D}"/>
               </a:ext>
             </a:extLst>
           </p:cNvPr>
@@ -6794,20 +6796,20 @@
           <p:nvPr/>
         </p:nvPicPr>
         <p:blipFill rotWithShape="1">
-          <a:blip r:embed="rId2">
+          <a:blip r:embed="rId3">
             <a:extLst>
               <a:ext uri="{28A0092B-C50C-407E-A947-70E740481C1C}">
                 <a14:useLocalDpi xmlns:a14="http://schemas.microsoft.com/office/drawing/2010/main" val="0"/>
               </a:ext>
             </a:extLst>
           </a:blip>
-          <a:srcRect l="3750" t="6029" r="3358" b="2974"/>
+          <a:srcRect l="6138" t="20419" r="3858" b="13665"/>
           <a:stretch/>
         </p:blipFill>
         <p:spPr bwMode="auto">
           <a:xfrm>
-            <a:off x="65313" y="78377"/>
-            <a:ext cx="4852852" cy="3252652"/>
+            <a:off x="4787537" y="3428999"/>
+            <a:ext cx="4191830" cy="1574075"/>
           </a:xfrm>
           <a:prstGeom prst="rect">
             <a:avLst/>
@@ -6824,145 +6826,10 @@
           </a:extLst>
         </p:spPr>
       </p:pic>
-      <p:pic>
-        <p:nvPicPr>
-          <p:cNvPr id="4100" name="Picture 4" descr="Understanding Recursive Queries in Postgres">
-            <a:extLst>
-              <a:ext uri="{FF2B5EF4-FFF2-40B4-BE49-F238E27FC236}">
-                <a16:creationId xmlns:a16="http://schemas.microsoft.com/office/drawing/2014/main" id="{6EEA10FD-4D8B-4E93-87B6-2E1A3F98529D}"/>
-              </a:ext>
-            </a:extLst>
-          </p:cNvPr>
-          <p:cNvPicPr>
-            <a:picLocks noChangeAspect="1" noChangeArrowheads="1"/>
-          </p:cNvPicPr>
-          <p:nvPr/>
-        </p:nvPicPr>
-        <p:blipFill rotWithShape="1">
-          <a:blip r:embed="rId3">
-            <a:extLst>
-              <a:ext uri="{28A0092B-C50C-407E-A947-70E740481C1C}">
-                <a14:useLocalDpi xmlns:a14="http://schemas.microsoft.com/office/drawing/2010/main" val="0"/>
-              </a:ext>
-            </a:extLst>
-          </a:blip>
-          <a:srcRect l="6138" t="20419" r="3858" b="13665"/>
-          <a:stretch/>
-        </p:blipFill>
-        <p:spPr bwMode="auto">
-          <a:xfrm>
-            <a:off x="4787537" y="3428999"/>
-            <a:ext cx="4191830" cy="1574075"/>
-          </a:xfrm>
-          <a:prstGeom prst="rect">
-            <a:avLst/>
-          </a:prstGeom>
-          <a:noFill/>
-          <a:extLst>
-            <a:ext uri="{909E8E84-426E-40DD-AFC4-6F175D3DCCD1}">
-              <a14:hiddenFill xmlns:a14="http://schemas.microsoft.com/office/drawing/2010/main">
-                <a:solidFill>
-                  <a:srgbClr val="FFFFFF"/>
-                </a:solidFill>
-              </a14:hiddenFill>
-            </a:ext>
-          </a:extLst>
-        </p:spPr>
-      </p:pic>
     </p:spTree>
     <p:extLst>
       <p:ext uri="{BB962C8B-B14F-4D97-AF65-F5344CB8AC3E}">
         <p14:creationId xmlns:p14="http://schemas.microsoft.com/office/powerpoint/2010/main" val="3324844830"/>
-      </p:ext>
-    </p:extLst>
-  </p:cSld>
-  <p:clrMapOvr>
-    <a:masterClrMapping/>
-  </p:clrMapOvr>
-</p:sld>
-</file>
-
-<file path=ppt/slides/slide6.xml><?xml version="1.0" encoding="utf-8"?>
-<p:sld xmlns:a="http://schemas.openxmlformats.org/drawingml/2006/main" xmlns:r="http://schemas.openxmlformats.org/officeDocument/2006/relationships" xmlns:p="http://schemas.openxmlformats.org/presentationml/2006/main" showMasterSp="0">
-  <p:cSld>
-    <p:spTree>
-      <p:nvGrpSpPr>
-        <p:cNvPr id="1" name=""/>
-        <p:cNvGrpSpPr/>
-        <p:nvPr/>
-      </p:nvGrpSpPr>
-      <p:grpSpPr>
-        <a:xfrm>
-          <a:off x="0" y="0"/>
-          <a:ext cx="0" cy="0"/>
-          <a:chOff x="0" y="0"/>
-          <a:chExt cx="0" cy="0"/>
-        </a:xfrm>
-      </p:grpSpPr>
-    </p:spTree>
-    <p:extLst>
-      <p:ext uri="{BB962C8B-B14F-4D97-AF65-F5344CB8AC3E}">
-        <p14:creationId xmlns:p14="http://schemas.microsoft.com/office/powerpoint/2010/main" val="2252609815"/>
-      </p:ext>
-    </p:extLst>
-  </p:cSld>
-  <p:clrMapOvr>
-    <a:masterClrMapping/>
-  </p:clrMapOvr>
-</p:sld>
-</file>
-
-<file path=ppt/slides/slide7.xml><?xml version="1.0" encoding="utf-8"?>
-<p:sld xmlns:a="http://schemas.openxmlformats.org/drawingml/2006/main" xmlns:r="http://schemas.openxmlformats.org/officeDocument/2006/relationships" xmlns:p="http://schemas.openxmlformats.org/presentationml/2006/main" showMasterSp="0">
-  <p:cSld>
-    <p:spTree>
-      <p:nvGrpSpPr>
-        <p:cNvPr id="1" name=""/>
-        <p:cNvGrpSpPr/>
-        <p:nvPr/>
-      </p:nvGrpSpPr>
-      <p:grpSpPr>
-        <a:xfrm>
-          <a:off x="0" y="0"/>
-          <a:ext cx="0" cy="0"/>
-          <a:chOff x="0" y="0"/>
-          <a:chExt cx="0" cy="0"/>
-        </a:xfrm>
-      </p:grpSpPr>
-      <p:pic>
-        <p:nvPicPr>
-          <p:cNvPr id="2" name="Рисунок 1">
-            <a:extLst>
-              <a:ext uri="{FF2B5EF4-FFF2-40B4-BE49-F238E27FC236}">
-                <a16:creationId xmlns:a16="http://schemas.microsoft.com/office/drawing/2014/main" id="{9E7B1548-BAA5-4025-9043-6A8819ACD69C}"/>
-              </a:ext>
-            </a:extLst>
-          </p:cNvPr>
-          <p:cNvPicPr>
-            <a:picLocks noChangeAspect="1"/>
-          </p:cNvPicPr>
-          <p:nvPr/>
-        </p:nvPicPr>
-        <p:blipFill>
-          <a:blip r:embed="rId2"/>
-          <a:stretch>
-            <a:fillRect/>
-          </a:stretch>
-        </p:blipFill>
-        <p:spPr>
-          <a:xfrm>
-            <a:off x="1309268" y="1345475"/>
-            <a:ext cx="6632677" cy="2107066"/>
-          </a:xfrm>
-          <a:prstGeom prst="rect">
-            <a:avLst/>
-          </a:prstGeom>
-        </p:spPr>
-      </p:pic>
-    </p:spTree>
-    <p:extLst>
-      <p:ext uri="{BB962C8B-B14F-4D97-AF65-F5344CB8AC3E}">
-        <p14:creationId xmlns:p14="http://schemas.microsoft.com/office/powerpoint/2010/main" val="3926924073"/>
       </p:ext>
     </p:extLst>
   </p:cSld>
